--- a/Presentation1.pptx
+++ b/Presentation1.pptx
@@ -130,6 +130,9 @@
         </p14:section>
       </p14:sectionLst>
     </p:ext>
+    <p:ext uri="{EFAFB233-063F-42B5-8137-9DF3F51BA10A}">
+      <p15:sldGuideLst xmlns:p15="http://schemas.microsoft.com/office/powerpoint/2012/main"/>
+    </p:ext>
   </p:extLst>
 </p:presentation>
 </file>
@@ -281,7 +284,7 @@
           <a:p>
             <a:fld id="{102F642D-7909-BA4E-BAC0-ADE5B509F9A8}" type="datetimeFigureOut">
               <a:rPr lang="en-US" smtClean="0"/>
-              <a:t>8/9/18</a:t>
+              <a:t>8/13/2018</a:t>
             </a:fld>
             <a:endParaRPr lang="en-US"/>
           </a:p>
@@ -479,7 +482,7 @@
           <a:p>
             <a:fld id="{102F642D-7909-BA4E-BAC0-ADE5B509F9A8}" type="datetimeFigureOut">
               <a:rPr lang="en-US" smtClean="0"/>
-              <a:t>8/9/18</a:t>
+              <a:t>8/13/2018</a:t>
             </a:fld>
             <a:endParaRPr lang="en-US"/>
           </a:p>
@@ -687,7 +690,7 @@
           <a:p>
             <a:fld id="{102F642D-7909-BA4E-BAC0-ADE5B509F9A8}" type="datetimeFigureOut">
               <a:rPr lang="en-US" smtClean="0"/>
-              <a:t>8/9/18</a:t>
+              <a:t>8/13/2018</a:t>
             </a:fld>
             <a:endParaRPr lang="en-US"/>
           </a:p>
@@ -885,7 +888,7 @@
           <a:p>
             <a:fld id="{102F642D-7909-BA4E-BAC0-ADE5B509F9A8}" type="datetimeFigureOut">
               <a:rPr lang="en-US" smtClean="0"/>
-              <a:t>8/9/18</a:t>
+              <a:t>8/13/2018</a:t>
             </a:fld>
             <a:endParaRPr lang="en-US"/>
           </a:p>
@@ -1160,7 +1163,7 @@
           <a:p>
             <a:fld id="{102F642D-7909-BA4E-BAC0-ADE5B509F9A8}" type="datetimeFigureOut">
               <a:rPr lang="en-US" smtClean="0"/>
-              <a:t>8/9/18</a:t>
+              <a:t>8/13/2018</a:t>
             </a:fld>
             <a:endParaRPr lang="en-US"/>
           </a:p>
@@ -1425,7 +1428,7 @@
           <a:p>
             <a:fld id="{102F642D-7909-BA4E-BAC0-ADE5B509F9A8}" type="datetimeFigureOut">
               <a:rPr lang="en-US" smtClean="0"/>
-              <a:t>8/9/18</a:t>
+              <a:t>8/13/2018</a:t>
             </a:fld>
             <a:endParaRPr lang="en-US"/>
           </a:p>
@@ -1837,7 +1840,7 @@
           <a:p>
             <a:fld id="{102F642D-7909-BA4E-BAC0-ADE5B509F9A8}" type="datetimeFigureOut">
               <a:rPr lang="en-US" smtClean="0"/>
-              <a:t>8/9/18</a:t>
+              <a:t>8/13/2018</a:t>
             </a:fld>
             <a:endParaRPr lang="en-US"/>
           </a:p>
@@ -1978,7 +1981,7 @@
           <a:p>
             <a:fld id="{102F642D-7909-BA4E-BAC0-ADE5B509F9A8}" type="datetimeFigureOut">
               <a:rPr lang="en-US" smtClean="0"/>
-              <a:t>8/9/18</a:t>
+              <a:t>8/13/2018</a:t>
             </a:fld>
             <a:endParaRPr lang="en-US"/>
           </a:p>
@@ -2091,7 +2094,7 @@
           <a:p>
             <a:fld id="{102F642D-7909-BA4E-BAC0-ADE5B509F9A8}" type="datetimeFigureOut">
               <a:rPr lang="en-US" smtClean="0"/>
-              <a:t>8/9/18</a:t>
+              <a:t>8/13/2018</a:t>
             </a:fld>
             <a:endParaRPr lang="en-US"/>
           </a:p>
@@ -2402,7 +2405,7 @@
           <a:p>
             <a:fld id="{102F642D-7909-BA4E-BAC0-ADE5B509F9A8}" type="datetimeFigureOut">
               <a:rPr lang="en-US" smtClean="0"/>
-              <a:t>8/9/18</a:t>
+              <a:t>8/13/2018</a:t>
             </a:fld>
             <a:endParaRPr lang="en-US"/>
           </a:p>
@@ -2690,7 +2693,7 @@
           <a:p>
             <a:fld id="{102F642D-7909-BA4E-BAC0-ADE5B509F9A8}" type="datetimeFigureOut">
               <a:rPr lang="en-US" smtClean="0"/>
-              <a:t>8/9/18</a:t>
+              <a:t>8/13/2018</a:t>
             </a:fld>
             <a:endParaRPr lang="en-US"/>
           </a:p>
@@ -2931,7 +2934,7 @@
           <a:p>
             <a:fld id="{102F642D-7909-BA4E-BAC0-ADE5B509F9A8}" type="datetimeFigureOut">
               <a:rPr lang="en-US" smtClean="0"/>
-              <a:t>8/9/18</a:t>
+              <a:t>8/13/2018</a:t>
             </a:fld>
             <a:endParaRPr lang="en-US"/>
           </a:p>
@@ -4393,7 +4396,10 @@
           <a:bodyPr/>
           <a:lstStyle/>
           <a:p>
-            <a:endParaRPr lang="en-US" dirty="0"/>
+            <a:r>
+              <a:rPr lang="en-US" dirty="0"/>
+              <a:t>Git clone and git pull</a:t>
+            </a:r>
           </a:p>
         </p:txBody>
       </p:sp>

--- a/Presentation1.pptx
+++ b/Presentation1.pptx
@@ -4424,7 +4424,15 @@
           <a:bodyPr/>
           <a:lstStyle/>
           <a:p>
-            <a:endParaRPr lang="en-US"/>
+            <a:r>
+              <a:rPr lang="en-US" dirty="0"/>
+              <a:t>Git clone &lt;repo URL&gt;: used to make a clone of a repo from </a:t>
+            </a:r>
+            <a:r>
+              <a:rPr lang="en-US" dirty="0" err="1"/>
+              <a:t>github</a:t>
+            </a:r>
+            <a:endParaRPr lang="en-US" dirty="0"/>
           </a:p>
         </p:txBody>
       </p:sp>

--- a/Presentation1.pptx
+++ b/Presentation1.pptx
@@ -4434,6 +4434,17 @@
             </a:r>
             <a:endParaRPr lang="en-US" dirty="0"/>
           </a:p>
+          <a:p>
+            <a:r>
+              <a:rPr lang="en-US" dirty="0"/>
+              <a:t>More </a:t>
+            </a:r>
+            <a:r>
+              <a:rPr lang="en-US"/>
+              <a:t>to merge</a:t>
+            </a:r>
+            <a:endParaRPr lang="en-US" dirty="0"/>
+          </a:p>
         </p:txBody>
       </p:sp>
     </p:spTree>

--- a/Presentation1.pptx
+++ b/Presentation1.pptx
@@ -4437,11 +4437,18 @@
           <a:p>
             <a:r>
               <a:rPr lang="en-US" dirty="0"/>
-              <a:t>More </a:t>
-            </a:r>
-            <a:r>
-              <a:rPr lang="en-US"/>
-              <a:t>to merge</a:t>
+              <a:t>More to </a:t>
+            </a:r>
+            <a:r>
+              <a:rPr lang="en-US" dirty="0" err="1"/>
+              <a:t>merg</a:t>
+            </a:r>
+            <a:endParaRPr lang="en-US" dirty="0"/>
+          </a:p>
+          <a:p>
+            <a:r>
+              <a:rPr lang="en-US"/>
+              <a:t>Some more</a:t>
             </a:r>
             <a:endParaRPr lang="en-US" dirty="0"/>
           </a:p>

--- a/Presentation1.pptx
+++ b/Presentation1.pptx
@@ -4424,7 +4424,10 @@
           <a:bodyPr/>
           <a:lstStyle/>
           <a:p>
-            <a:endParaRPr lang="en-US"/>
+            <a:r>
+              <a:rPr lang="en-US"/>
+              <a:t>Git merge</a:t>
+            </a:r>
           </a:p>
         </p:txBody>
       </p:sp>

--- a/Presentation1.pptx
+++ b/Presentation1.pptx
@@ -284,7 +284,7 @@
           <a:p>
             <a:fld id="{102F642D-7909-BA4E-BAC0-ADE5B509F9A8}" type="datetimeFigureOut">
               <a:rPr lang="en-US" smtClean="0"/>
-              <a:t>8/13/2018</a:t>
+              <a:t>8/14/2018</a:t>
             </a:fld>
             <a:endParaRPr lang="en-US"/>
           </a:p>
@@ -482,7 +482,7 @@
           <a:p>
             <a:fld id="{102F642D-7909-BA4E-BAC0-ADE5B509F9A8}" type="datetimeFigureOut">
               <a:rPr lang="en-US" smtClean="0"/>
-              <a:t>8/13/2018</a:t>
+              <a:t>8/14/2018</a:t>
             </a:fld>
             <a:endParaRPr lang="en-US"/>
           </a:p>
@@ -690,7 +690,7 @@
           <a:p>
             <a:fld id="{102F642D-7909-BA4E-BAC0-ADE5B509F9A8}" type="datetimeFigureOut">
               <a:rPr lang="en-US" smtClean="0"/>
-              <a:t>8/13/2018</a:t>
+              <a:t>8/14/2018</a:t>
             </a:fld>
             <a:endParaRPr lang="en-US"/>
           </a:p>
@@ -888,7 +888,7 @@
           <a:p>
             <a:fld id="{102F642D-7909-BA4E-BAC0-ADE5B509F9A8}" type="datetimeFigureOut">
               <a:rPr lang="en-US" smtClean="0"/>
-              <a:t>8/13/2018</a:t>
+              <a:t>8/14/2018</a:t>
             </a:fld>
             <a:endParaRPr lang="en-US"/>
           </a:p>
@@ -1163,7 +1163,7 @@
           <a:p>
             <a:fld id="{102F642D-7909-BA4E-BAC0-ADE5B509F9A8}" type="datetimeFigureOut">
               <a:rPr lang="en-US" smtClean="0"/>
-              <a:t>8/13/2018</a:t>
+              <a:t>8/14/2018</a:t>
             </a:fld>
             <a:endParaRPr lang="en-US"/>
           </a:p>
@@ -1428,7 +1428,7 @@
           <a:p>
             <a:fld id="{102F642D-7909-BA4E-BAC0-ADE5B509F9A8}" type="datetimeFigureOut">
               <a:rPr lang="en-US" smtClean="0"/>
-              <a:t>8/13/2018</a:t>
+              <a:t>8/14/2018</a:t>
             </a:fld>
             <a:endParaRPr lang="en-US"/>
           </a:p>
@@ -1840,7 +1840,7 @@
           <a:p>
             <a:fld id="{102F642D-7909-BA4E-BAC0-ADE5B509F9A8}" type="datetimeFigureOut">
               <a:rPr lang="en-US" smtClean="0"/>
-              <a:t>8/13/2018</a:t>
+              <a:t>8/14/2018</a:t>
             </a:fld>
             <a:endParaRPr lang="en-US"/>
           </a:p>
@@ -1981,7 +1981,7 @@
           <a:p>
             <a:fld id="{102F642D-7909-BA4E-BAC0-ADE5B509F9A8}" type="datetimeFigureOut">
               <a:rPr lang="en-US" smtClean="0"/>
-              <a:t>8/13/2018</a:t>
+              <a:t>8/14/2018</a:t>
             </a:fld>
             <a:endParaRPr lang="en-US"/>
           </a:p>
@@ -2094,7 +2094,7 @@
           <a:p>
             <a:fld id="{102F642D-7909-BA4E-BAC0-ADE5B509F9A8}" type="datetimeFigureOut">
               <a:rPr lang="en-US" smtClean="0"/>
-              <a:t>8/13/2018</a:t>
+              <a:t>8/14/2018</a:t>
             </a:fld>
             <a:endParaRPr lang="en-US"/>
           </a:p>
@@ -2405,7 +2405,7 @@
           <a:p>
             <a:fld id="{102F642D-7909-BA4E-BAC0-ADE5B509F9A8}" type="datetimeFigureOut">
               <a:rPr lang="en-US" smtClean="0"/>
-              <a:t>8/13/2018</a:t>
+              <a:t>8/14/2018</a:t>
             </a:fld>
             <a:endParaRPr lang="en-US"/>
           </a:p>
@@ -2693,7 +2693,7 @@
           <a:p>
             <a:fld id="{102F642D-7909-BA4E-BAC0-ADE5B509F9A8}" type="datetimeFigureOut">
               <a:rPr lang="en-US" smtClean="0"/>
-              <a:t>8/13/2018</a:t>
+              <a:t>8/14/2018</a:t>
             </a:fld>
             <a:endParaRPr lang="en-US"/>
           </a:p>
@@ -2934,7 +2934,7 @@
           <a:p>
             <a:fld id="{102F642D-7909-BA4E-BAC0-ADE5B509F9A8}" type="datetimeFigureOut">
               <a:rPr lang="en-US" smtClean="0"/>
-              <a:t>8/13/2018</a:t>
+              <a:t>8/14/2018</a:t>
             </a:fld>
             <a:endParaRPr lang="en-US"/>
           </a:p>
@@ -4447,8 +4447,18 @@
           </a:p>
           <a:p>
             <a:r>
-              <a:rPr lang="en-US"/>
+              <a:rPr lang="en-US" dirty="0"/>
               <a:t>Some more</a:t>
+            </a:r>
+          </a:p>
+          <a:p>
+            <a:r>
+              <a:rPr lang="en-US" dirty="0"/>
+              <a:t>Changes </a:t>
+            </a:r>
+            <a:r>
+              <a:rPr lang="en-US"/>
+              <a:t>in presentation</a:t>
             </a:r>
             <a:endParaRPr lang="en-US" dirty="0"/>
           </a:p>
